--- a/docs/architecture.pptx
+++ b/docs/architecture.pptx
@@ -263,7 +263,7 @@
           <a:p>
             <a:fld id="{BC59D279-2F25-4511-92D4-2F0B7AE95144}" type="datetimeFigureOut">
               <a:rPr lang="en-SG" smtClean="0"/>
-              <a:t>3/3/2022</a:t>
+              <a:t>4/3/2022</a:t>
             </a:fld>
             <a:endParaRPr lang="en-SG"/>
           </a:p>
@@ -463,7 +463,7 @@
           <a:p>
             <a:fld id="{BC59D279-2F25-4511-92D4-2F0B7AE95144}" type="datetimeFigureOut">
               <a:rPr lang="en-SG" smtClean="0"/>
-              <a:t>3/3/2022</a:t>
+              <a:t>4/3/2022</a:t>
             </a:fld>
             <a:endParaRPr lang="en-SG"/>
           </a:p>
@@ -673,7 +673,7 @@
           <a:p>
             <a:fld id="{BC59D279-2F25-4511-92D4-2F0B7AE95144}" type="datetimeFigureOut">
               <a:rPr lang="en-SG" smtClean="0"/>
-              <a:t>3/3/2022</a:t>
+              <a:t>4/3/2022</a:t>
             </a:fld>
             <a:endParaRPr lang="en-SG"/>
           </a:p>
@@ -873,7 +873,7 @@
           <a:p>
             <a:fld id="{BC59D279-2F25-4511-92D4-2F0B7AE95144}" type="datetimeFigureOut">
               <a:rPr lang="en-SG" smtClean="0"/>
-              <a:t>3/3/2022</a:t>
+              <a:t>4/3/2022</a:t>
             </a:fld>
             <a:endParaRPr lang="en-SG"/>
           </a:p>
@@ -1149,7 +1149,7 @@
           <a:p>
             <a:fld id="{BC59D279-2F25-4511-92D4-2F0B7AE95144}" type="datetimeFigureOut">
               <a:rPr lang="en-SG" smtClean="0"/>
-              <a:t>3/3/2022</a:t>
+              <a:t>4/3/2022</a:t>
             </a:fld>
             <a:endParaRPr lang="en-SG"/>
           </a:p>
@@ -1417,7 +1417,7 @@
           <a:p>
             <a:fld id="{BC59D279-2F25-4511-92D4-2F0B7AE95144}" type="datetimeFigureOut">
               <a:rPr lang="en-SG" smtClean="0"/>
-              <a:t>3/3/2022</a:t>
+              <a:t>4/3/2022</a:t>
             </a:fld>
             <a:endParaRPr lang="en-SG"/>
           </a:p>
@@ -1832,7 +1832,7 @@
           <a:p>
             <a:fld id="{BC59D279-2F25-4511-92D4-2F0B7AE95144}" type="datetimeFigureOut">
               <a:rPr lang="en-SG" smtClean="0"/>
-              <a:t>3/3/2022</a:t>
+              <a:t>4/3/2022</a:t>
             </a:fld>
             <a:endParaRPr lang="en-SG"/>
           </a:p>
@@ -1974,7 +1974,7 @@
           <a:p>
             <a:fld id="{BC59D279-2F25-4511-92D4-2F0B7AE95144}" type="datetimeFigureOut">
               <a:rPr lang="en-SG" smtClean="0"/>
-              <a:t>3/3/2022</a:t>
+              <a:t>4/3/2022</a:t>
             </a:fld>
             <a:endParaRPr lang="en-SG"/>
           </a:p>
@@ -2087,7 +2087,7 @@
           <a:p>
             <a:fld id="{BC59D279-2F25-4511-92D4-2F0B7AE95144}" type="datetimeFigureOut">
               <a:rPr lang="en-SG" smtClean="0"/>
-              <a:t>3/3/2022</a:t>
+              <a:t>4/3/2022</a:t>
             </a:fld>
             <a:endParaRPr lang="en-SG"/>
           </a:p>
@@ -2400,7 +2400,7 @@
           <a:p>
             <a:fld id="{BC59D279-2F25-4511-92D4-2F0B7AE95144}" type="datetimeFigureOut">
               <a:rPr lang="en-SG" smtClean="0"/>
-              <a:t>3/3/2022</a:t>
+              <a:t>4/3/2022</a:t>
             </a:fld>
             <a:endParaRPr lang="en-SG"/>
           </a:p>
@@ -2689,7 +2689,7 @@
           <a:p>
             <a:fld id="{BC59D279-2F25-4511-92D4-2F0B7AE95144}" type="datetimeFigureOut">
               <a:rPr lang="en-SG" smtClean="0"/>
-              <a:t>3/3/2022</a:t>
+              <a:t>4/3/2022</a:t>
             </a:fld>
             <a:endParaRPr lang="en-SG"/>
           </a:p>
@@ -2932,7 +2932,7 @@
           <a:p>
             <a:fld id="{BC59D279-2F25-4511-92D4-2F0B7AE95144}" type="datetimeFigureOut">
               <a:rPr lang="en-SG" smtClean="0"/>
-              <a:t>3/3/2022</a:t>
+              <a:t>4/3/2022</a:t>
             </a:fld>
             <a:endParaRPr lang="en-SG"/>
           </a:p>
@@ -6886,6 +6886,58 @@
           </a:p>
         </p:txBody>
       </p:sp>
+      <p:sp>
+        <p:nvSpPr>
+          <p:cNvPr id="2" name="Speech Bubble: Rectangle with Corners Rounded 1">
+            <a:extLst>
+              <a:ext uri="{FF2B5EF4-FFF2-40B4-BE49-F238E27FC236}">
+                <a16:creationId xmlns:a16="http://schemas.microsoft.com/office/drawing/2014/main" id="{13076BA7-587C-4102-B476-4B1DC95577E1}"/>
+              </a:ext>
+            </a:extLst>
+          </p:cNvPr>
+          <p:cNvSpPr/>
+          <p:nvPr/>
+        </p:nvSpPr>
+        <p:spPr>
+          <a:xfrm>
+            <a:off x="5845387" y="4104640"/>
+            <a:ext cx="1496906" cy="823013"/>
+          </a:xfrm>
+          <a:prstGeom prst="wedgeRoundRectCallout">
+            <a:avLst>
+              <a:gd name="adj1" fmla="val -84181"/>
+              <a:gd name="adj2" fmla="val 52624"/>
+              <a:gd name="adj3" fmla="val 16667"/>
+            </a:avLst>
+          </a:prstGeom>
+        </p:spPr>
+        <p:style>
+          <a:lnRef idx="2">
+            <a:schemeClr val="dk1"/>
+          </a:lnRef>
+          <a:fillRef idx="1">
+            <a:schemeClr val="lt1"/>
+          </a:fillRef>
+          <a:effectRef idx="0">
+            <a:schemeClr val="dk1"/>
+          </a:effectRef>
+          <a:fontRef idx="minor">
+            <a:schemeClr val="dk1"/>
+          </a:fontRef>
+        </p:style>
+        <p:txBody>
+          <a:bodyPr rtlCol="0" anchor="ctr"/>
+          <a:lstStyle/>
+          <a:p>
+            <a:pPr algn="ctr"/>
+            <a:r>
+              <a:rPr lang="en-US" dirty="0"/>
+              <a:t>Override TCTI_DEVICE</a:t>
+            </a:r>
+            <a:endParaRPr lang="en-SG" dirty="0"/>
+          </a:p>
+        </p:txBody>
+      </p:sp>
     </p:spTree>
     <p:extLst>
       <p:ext uri="{BB962C8B-B14F-4D97-AF65-F5344CB8AC3E}">

--- a/docs/architecture.pptx
+++ b/docs/architecture.pptx
@@ -263,7 +263,7 @@
           <a:p>
             <a:fld id="{BC59D279-2F25-4511-92D4-2F0B7AE95144}" type="datetimeFigureOut">
               <a:rPr lang="en-SG" smtClean="0"/>
-              <a:t>4/3/2022</a:t>
+              <a:t>7/3/2022</a:t>
             </a:fld>
             <a:endParaRPr lang="en-SG"/>
           </a:p>
@@ -463,7 +463,7 @@
           <a:p>
             <a:fld id="{BC59D279-2F25-4511-92D4-2F0B7AE95144}" type="datetimeFigureOut">
               <a:rPr lang="en-SG" smtClean="0"/>
-              <a:t>4/3/2022</a:t>
+              <a:t>7/3/2022</a:t>
             </a:fld>
             <a:endParaRPr lang="en-SG"/>
           </a:p>
@@ -673,7 +673,7 @@
           <a:p>
             <a:fld id="{BC59D279-2F25-4511-92D4-2F0B7AE95144}" type="datetimeFigureOut">
               <a:rPr lang="en-SG" smtClean="0"/>
-              <a:t>4/3/2022</a:t>
+              <a:t>7/3/2022</a:t>
             </a:fld>
             <a:endParaRPr lang="en-SG"/>
           </a:p>
@@ -873,7 +873,7 @@
           <a:p>
             <a:fld id="{BC59D279-2F25-4511-92D4-2F0B7AE95144}" type="datetimeFigureOut">
               <a:rPr lang="en-SG" smtClean="0"/>
-              <a:t>4/3/2022</a:t>
+              <a:t>7/3/2022</a:t>
             </a:fld>
             <a:endParaRPr lang="en-SG"/>
           </a:p>
@@ -1149,7 +1149,7 @@
           <a:p>
             <a:fld id="{BC59D279-2F25-4511-92D4-2F0B7AE95144}" type="datetimeFigureOut">
               <a:rPr lang="en-SG" smtClean="0"/>
-              <a:t>4/3/2022</a:t>
+              <a:t>7/3/2022</a:t>
             </a:fld>
             <a:endParaRPr lang="en-SG"/>
           </a:p>
@@ -1417,7 +1417,7 @@
           <a:p>
             <a:fld id="{BC59D279-2F25-4511-92D4-2F0B7AE95144}" type="datetimeFigureOut">
               <a:rPr lang="en-SG" smtClean="0"/>
-              <a:t>4/3/2022</a:t>
+              <a:t>7/3/2022</a:t>
             </a:fld>
             <a:endParaRPr lang="en-SG"/>
           </a:p>
@@ -1832,7 +1832,7 @@
           <a:p>
             <a:fld id="{BC59D279-2F25-4511-92D4-2F0B7AE95144}" type="datetimeFigureOut">
               <a:rPr lang="en-SG" smtClean="0"/>
-              <a:t>4/3/2022</a:t>
+              <a:t>7/3/2022</a:t>
             </a:fld>
             <a:endParaRPr lang="en-SG"/>
           </a:p>
@@ -1974,7 +1974,7 @@
           <a:p>
             <a:fld id="{BC59D279-2F25-4511-92D4-2F0B7AE95144}" type="datetimeFigureOut">
               <a:rPr lang="en-SG" smtClean="0"/>
-              <a:t>4/3/2022</a:t>
+              <a:t>7/3/2022</a:t>
             </a:fld>
             <a:endParaRPr lang="en-SG"/>
           </a:p>
@@ -2087,7 +2087,7 @@
           <a:p>
             <a:fld id="{BC59D279-2F25-4511-92D4-2F0B7AE95144}" type="datetimeFigureOut">
               <a:rPr lang="en-SG" smtClean="0"/>
-              <a:t>4/3/2022</a:t>
+              <a:t>7/3/2022</a:t>
             </a:fld>
             <a:endParaRPr lang="en-SG"/>
           </a:p>
@@ -2400,7 +2400,7 @@
           <a:p>
             <a:fld id="{BC59D279-2F25-4511-92D4-2F0B7AE95144}" type="datetimeFigureOut">
               <a:rPr lang="en-SG" smtClean="0"/>
-              <a:t>4/3/2022</a:t>
+              <a:t>7/3/2022</a:t>
             </a:fld>
             <a:endParaRPr lang="en-SG"/>
           </a:p>
@@ -2689,7 +2689,7 @@
           <a:p>
             <a:fld id="{BC59D279-2F25-4511-92D4-2F0B7AE95144}" type="datetimeFigureOut">
               <a:rPr lang="en-SG" smtClean="0"/>
-              <a:t>4/3/2022</a:t>
+              <a:t>7/3/2022</a:t>
             </a:fld>
             <a:endParaRPr lang="en-SG"/>
           </a:p>
@@ -2932,7 +2932,7 @@
           <a:p>
             <a:fld id="{BC59D279-2F25-4511-92D4-2F0B7AE95144}" type="datetimeFigureOut">
               <a:rPr lang="en-SG" smtClean="0"/>
-              <a:t>4/3/2022</a:t>
+              <a:t>7/3/2022</a:t>
             </a:fld>
             <a:endParaRPr lang="en-SG"/>
           </a:p>
@@ -4405,7 +4405,7 @@
           <a:p>
             <a:r>
               <a:rPr lang="en-US" dirty="0"/>
-              <a:t>decouple</a:t>
+              <a:t>decoupled</a:t>
             </a:r>
           </a:p>
           <a:p>
@@ -5517,7 +5517,7 @@
         </p:nvSpPr>
         <p:spPr>
           <a:xfrm>
-            <a:off x="1341829" y="2798680"/>
+            <a:off x="1341829" y="3159864"/>
             <a:ext cx="1544320" cy="555414"/>
           </a:xfrm>
           <a:prstGeom prst="roundRect">
@@ -5898,7 +5898,7 @@
         <p:spPr>
           <a:xfrm>
             <a:off x="5724803" y="3059667"/>
-            <a:ext cx="1051570" cy="369332"/>
+            <a:ext cx="1173398" cy="369332"/>
           </a:xfrm>
           <a:prstGeom prst="rect">
             <a:avLst/>
@@ -5913,56 +5913,12 @@
           <a:p>
             <a:r>
               <a:rPr lang="en-US" dirty="0"/>
-              <a:t>decouple</a:t>
+              <a:t>decoupled</a:t>
             </a:r>
             <a:endParaRPr lang="en-SG" dirty="0"/>
           </a:p>
         </p:txBody>
       </p:sp>
-      <p:cxnSp>
-        <p:nvCxnSpPr>
-          <p:cNvPr id="23" name="Connector: Elbow 22">
-            <a:extLst>
-              <a:ext uri="{FF2B5EF4-FFF2-40B4-BE49-F238E27FC236}">
-                <a16:creationId xmlns:a16="http://schemas.microsoft.com/office/drawing/2014/main" id="{3FB9C73E-3088-4EC7-ABA1-FDD82946CA39}"/>
-              </a:ext>
-            </a:extLst>
-          </p:cNvPr>
-          <p:cNvCxnSpPr>
-            <a:cxnSpLocks/>
-            <a:stCxn id="6" idx="3"/>
-            <a:endCxn id="4" idx="0"/>
-          </p:cNvCxnSpPr>
-          <p:nvPr/>
-        </p:nvCxnSpPr>
-        <p:spPr>
-          <a:xfrm>
-            <a:off x="2886149" y="3076387"/>
-            <a:ext cx="1544320" cy="74907"/>
-          </a:xfrm>
-          <a:prstGeom prst="bentConnector2">
-            <a:avLst/>
-          </a:prstGeom>
-          <a:ln>
-            <a:headEnd type="triangle"/>
-            <a:tailEnd type="none"/>
-          </a:ln>
-        </p:spPr>
-        <p:style>
-          <a:lnRef idx="1">
-            <a:schemeClr val="accent2"/>
-          </a:lnRef>
-          <a:fillRef idx="0">
-            <a:schemeClr val="accent2"/>
-          </a:fillRef>
-          <a:effectRef idx="0">
-            <a:schemeClr val="accent2"/>
-          </a:effectRef>
-          <a:fontRef idx="minor">
-            <a:schemeClr val="tx1"/>
-          </a:fontRef>
-        </p:style>
-      </p:cxnSp>
       <p:cxnSp>
         <p:nvCxnSpPr>
           <p:cNvPr id="25" name="Straight Arrow Connector 24">
@@ -6744,7 +6700,7 @@
           <a:p>
             <a:r>
               <a:rPr lang="en-US" dirty="0"/>
-              <a:t>decouple</a:t>
+              <a:t>decoupled</a:t>
             </a:r>
           </a:p>
           <a:p>
@@ -6938,6 +6894,53 @@
           </a:p>
         </p:txBody>
       </p:sp>
+      <p:cxnSp>
+        <p:nvCxnSpPr>
+          <p:cNvPr id="38" name="Straight Arrow Connector 37">
+            <a:extLst>
+              <a:ext uri="{FF2B5EF4-FFF2-40B4-BE49-F238E27FC236}">
+                <a16:creationId xmlns:a16="http://schemas.microsoft.com/office/drawing/2014/main" id="{F5C30DFB-FB18-4FBC-9875-FDA90842136B}"/>
+              </a:ext>
+            </a:extLst>
+          </p:cNvPr>
+          <p:cNvCxnSpPr>
+            <a:cxnSpLocks/>
+            <a:stCxn id="6" idx="3"/>
+            <a:endCxn id="4" idx="1"/>
+          </p:cNvCxnSpPr>
+          <p:nvPr/>
+        </p:nvCxnSpPr>
+        <p:spPr>
+          <a:xfrm flipV="1">
+            <a:off x="2886149" y="3429001"/>
+            <a:ext cx="772160" cy="8570"/>
+          </a:xfrm>
+          <a:prstGeom prst="straightConnector1">
+            <a:avLst/>
+          </a:prstGeom>
+          <a:ln>
+            <a:solidFill>
+              <a:schemeClr val="accent1"/>
+            </a:solidFill>
+            <a:headEnd type="triangle"/>
+            <a:tailEnd type="none"/>
+          </a:ln>
+        </p:spPr>
+        <p:style>
+          <a:lnRef idx="1">
+            <a:schemeClr val="accent2"/>
+          </a:lnRef>
+          <a:fillRef idx="0">
+            <a:schemeClr val="accent2"/>
+          </a:fillRef>
+          <a:effectRef idx="0">
+            <a:schemeClr val="accent2"/>
+          </a:effectRef>
+          <a:fontRef idx="minor">
+            <a:schemeClr val="tx1"/>
+          </a:fontRef>
+        </p:style>
+      </p:cxnSp>
     </p:spTree>
     <p:extLst>
       <p:ext uri="{BB962C8B-B14F-4D97-AF65-F5344CB8AC3E}">

--- a/docs/architecture.pptx
+++ b/docs/architecture.pptx
@@ -4369,7 +4369,7 @@
             <a:pPr algn="ctr"/>
             <a:r>
               <a:rPr lang="en-US" dirty="0"/>
-              <a:t>TSS + TCTI</a:t>
+              <a:t>libtpm2tss.a</a:t>
             </a:r>
             <a:endParaRPr lang="en-SG" dirty="0"/>
           </a:p>
@@ -5449,7 +5449,7 @@
             <a:pPr algn="ctr"/>
             <a:r>
               <a:rPr lang="en-US" dirty="0"/>
-              <a:t>TIS (PTP)</a:t>
+              <a:t>libtpm2tis.a</a:t>
             </a:r>
             <a:endParaRPr lang="en-SG" dirty="0"/>
           </a:p>
@@ -5737,7 +5737,7 @@
             <a:pPr algn="ctr"/>
             <a:r>
               <a:rPr lang="en-US" dirty="0"/>
-              <a:t>TSS</a:t>
+              <a:t>libtpm2tss.a</a:t>
             </a:r>
             <a:endParaRPr lang="en-SG" dirty="0"/>
           </a:p>
@@ -6626,31 +6626,258 @@
           </a:p>
         </p:txBody>
       </p:sp>
+      <p:sp>
+        <p:nvSpPr>
+          <p:cNvPr id="76" name="TextBox 75">
+            <a:extLst>
+              <a:ext uri="{FF2B5EF4-FFF2-40B4-BE49-F238E27FC236}">
+                <a16:creationId xmlns:a16="http://schemas.microsoft.com/office/drawing/2014/main" id="{938F28F7-9811-4619-879C-FF7957632070}"/>
+              </a:ext>
+            </a:extLst>
+          </p:cNvPr>
+          <p:cNvSpPr txBox="1"/>
+          <p:nvPr/>
+        </p:nvSpPr>
+        <p:spPr>
+          <a:xfrm>
+            <a:off x="5715030" y="5422003"/>
+            <a:ext cx="1211422" cy="646331"/>
+          </a:xfrm>
+          <a:prstGeom prst="rect">
+            <a:avLst/>
+          </a:prstGeom>
+          <a:noFill/>
+        </p:spPr>
+        <p:txBody>
+          <a:bodyPr wrap="none" rtlCol="0">
+            <a:spAutoFit/>
+          </a:bodyPr>
+          <a:lstStyle/>
+          <a:p>
+            <a:r>
+              <a:rPr lang="en-US" dirty="0"/>
+              <a:t>decoupled</a:t>
+            </a:r>
+          </a:p>
+          <a:p>
+            <a:r>
+              <a:rPr lang="en-US" dirty="0"/>
+              <a:t>SAPI/ESAPI</a:t>
+            </a:r>
+            <a:endParaRPr lang="en-SG" dirty="0"/>
+          </a:p>
+        </p:txBody>
+      </p:sp>
+      <p:sp>
+        <p:nvSpPr>
+          <p:cNvPr id="77" name="Rectangle: Rounded Corners 76">
+            <a:extLst>
+              <a:ext uri="{FF2B5EF4-FFF2-40B4-BE49-F238E27FC236}">
+                <a16:creationId xmlns:a16="http://schemas.microsoft.com/office/drawing/2014/main" id="{D17B92EC-17A4-485B-B9BE-3152A1E7DBCE}"/>
+              </a:ext>
+            </a:extLst>
+          </p:cNvPr>
+          <p:cNvSpPr/>
+          <p:nvPr/>
+        </p:nvSpPr>
+        <p:spPr>
+          <a:xfrm>
+            <a:off x="9564104" y="6176049"/>
+            <a:ext cx="511780" cy="184061"/>
+          </a:xfrm>
+          <a:prstGeom prst="roundRect">
+            <a:avLst/>
+          </a:prstGeom>
+        </p:spPr>
+        <p:style>
+          <a:lnRef idx="1">
+            <a:schemeClr val="accent5"/>
+          </a:lnRef>
+          <a:fillRef idx="3">
+            <a:schemeClr val="accent5"/>
+          </a:fillRef>
+          <a:effectRef idx="2">
+            <a:schemeClr val="accent5"/>
+          </a:effectRef>
+          <a:fontRef idx="minor">
+            <a:schemeClr val="lt1"/>
+          </a:fontRef>
+        </p:style>
+        <p:txBody>
+          <a:bodyPr rtlCol="0" anchor="ctr"/>
+          <a:lstStyle/>
+          <a:p>
+            <a:pPr algn="ctr"/>
+            <a:endParaRPr lang="en-SG" dirty="0"/>
+          </a:p>
+        </p:txBody>
+      </p:sp>
+      <p:sp>
+        <p:nvSpPr>
+          <p:cNvPr id="78" name="TextBox 77">
+            <a:extLst>
+              <a:ext uri="{FF2B5EF4-FFF2-40B4-BE49-F238E27FC236}">
+                <a16:creationId xmlns:a16="http://schemas.microsoft.com/office/drawing/2014/main" id="{C7853951-5D59-4F1A-8F38-6B48DD281C71}"/>
+              </a:ext>
+            </a:extLst>
+          </p:cNvPr>
+          <p:cNvSpPr txBox="1"/>
+          <p:nvPr/>
+        </p:nvSpPr>
+        <p:spPr>
+          <a:xfrm>
+            <a:off x="10075884" y="6082403"/>
+            <a:ext cx="2029530" cy="646331"/>
+          </a:xfrm>
+          <a:prstGeom prst="rect">
+            <a:avLst/>
+          </a:prstGeom>
+          <a:noFill/>
+        </p:spPr>
+        <p:txBody>
+          <a:bodyPr wrap="none" rtlCol="0">
+            <a:spAutoFit/>
+          </a:bodyPr>
+          <a:lstStyle/>
+          <a:p>
+            <a:r>
+              <a:rPr lang="en-US" dirty="0"/>
+              <a:t>Existing component</a:t>
+            </a:r>
+          </a:p>
+          <a:p>
+            <a:r>
+              <a:rPr lang="en-US" dirty="0"/>
+              <a:t>To develop</a:t>
+            </a:r>
+            <a:endParaRPr lang="en-SG" dirty="0"/>
+          </a:p>
+        </p:txBody>
+      </p:sp>
+      <p:sp>
+        <p:nvSpPr>
+          <p:cNvPr id="79" name="Rectangle: Rounded Corners 78">
+            <a:extLst>
+              <a:ext uri="{FF2B5EF4-FFF2-40B4-BE49-F238E27FC236}">
+                <a16:creationId xmlns:a16="http://schemas.microsoft.com/office/drawing/2014/main" id="{658F005E-8925-44FA-A480-C7DEA789CF90}"/>
+              </a:ext>
+            </a:extLst>
+          </p:cNvPr>
+          <p:cNvSpPr/>
+          <p:nvPr/>
+        </p:nvSpPr>
+        <p:spPr>
+          <a:xfrm>
+            <a:off x="9564104" y="6452391"/>
+            <a:ext cx="511780" cy="184061"/>
+          </a:xfrm>
+          <a:prstGeom prst="roundRect">
+            <a:avLst/>
+          </a:prstGeom>
+        </p:spPr>
+        <p:style>
+          <a:lnRef idx="1">
+            <a:schemeClr val="accent2"/>
+          </a:lnRef>
+          <a:fillRef idx="3">
+            <a:schemeClr val="accent2"/>
+          </a:fillRef>
+          <a:effectRef idx="2">
+            <a:schemeClr val="accent2"/>
+          </a:effectRef>
+          <a:fontRef idx="minor">
+            <a:schemeClr val="lt1"/>
+          </a:fontRef>
+        </p:style>
+        <p:txBody>
+          <a:bodyPr rtlCol="0" anchor="ctr"/>
+          <a:lstStyle/>
+          <a:p>
+            <a:pPr algn="ctr"/>
+            <a:endParaRPr lang="en-SG" dirty="0"/>
+          </a:p>
+        </p:txBody>
+      </p:sp>
+      <p:sp>
+        <p:nvSpPr>
+          <p:cNvPr id="2" name="Speech Bubble: Rectangle with Corners Rounded 1">
+            <a:extLst>
+              <a:ext uri="{FF2B5EF4-FFF2-40B4-BE49-F238E27FC236}">
+                <a16:creationId xmlns:a16="http://schemas.microsoft.com/office/drawing/2014/main" id="{13076BA7-587C-4102-B476-4B1DC95577E1}"/>
+              </a:ext>
+            </a:extLst>
+          </p:cNvPr>
+          <p:cNvSpPr/>
+          <p:nvPr/>
+        </p:nvSpPr>
+        <p:spPr>
+          <a:xfrm>
+            <a:off x="5845387" y="4104640"/>
+            <a:ext cx="1496906" cy="823013"/>
+          </a:xfrm>
+          <a:prstGeom prst="wedgeRoundRectCallout">
+            <a:avLst>
+              <a:gd name="adj1" fmla="val -84181"/>
+              <a:gd name="adj2" fmla="val 52624"/>
+              <a:gd name="adj3" fmla="val 16667"/>
+            </a:avLst>
+          </a:prstGeom>
+        </p:spPr>
+        <p:style>
+          <a:lnRef idx="2">
+            <a:schemeClr val="dk1"/>
+          </a:lnRef>
+          <a:fillRef idx="1">
+            <a:schemeClr val="lt1"/>
+          </a:fillRef>
+          <a:effectRef idx="0">
+            <a:schemeClr val="dk1"/>
+          </a:effectRef>
+          <a:fontRef idx="minor">
+            <a:schemeClr val="dk1"/>
+          </a:fontRef>
+        </p:style>
+        <p:txBody>
+          <a:bodyPr rtlCol="0" anchor="ctr"/>
+          <a:lstStyle/>
+          <a:p>
+            <a:pPr algn="ctr"/>
+            <a:r>
+              <a:rPr lang="en-US" dirty="0"/>
+              <a:t>Override TCTI_DEVICE</a:t>
+            </a:r>
+            <a:endParaRPr lang="en-SG" dirty="0"/>
+          </a:p>
+        </p:txBody>
+      </p:sp>
       <p:cxnSp>
         <p:nvCxnSpPr>
-          <p:cNvPr id="62" name="Straight Arrow Connector 61">
-            <a:extLst>
-              <a:ext uri="{FF2B5EF4-FFF2-40B4-BE49-F238E27FC236}">
-                <a16:creationId xmlns:a16="http://schemas.microsoft.com/office/drawing/2014/main" id="{AA4F417A-884F-4250-A198-B354B1847295}"/>
+          <p:cNvPr id="38" name="Straight Arrow Connector 37">
+            <a:extLst>
+              <a:ext uri="{FF2B5EF4-FFF2-40B4-BE49-F238E27FC236}">
+                <a16:creationId xmlns:a16="http://schemas.microsoft.com/office/drawing/2014/main" id="{F5C30DFB-FB18-4FBC-9875-FDA90842136B}"/>
               </a:ext>
             </a:extLst>
           </p:cNvPr>
           <p:cNvCxnSpPr>
             <a:cxnSpLocks/>
-            <a:stCxn id="53" idx="2"/>
-            <a:endCxn id="9" idx="0"/>
+            <a:stCxn id="6" idx="3"/>
+            <a:endCxn id="4" idx="1"/>
           </p:cNvCxnSpPr>
           <p:nvPr/>
         </p:nvCxnSpPr>
         <p:spPr>
-          <a:xfrm>
-            <a:off x="4430469" y="2162596"/>
-            <a:ext cx="0" cy="216642"/>
+          <a:xfrm flipV="1">
+            <a:off x="2886149" y="3429001"/>
+            <a:ext cx="772160" cy="8570"/>
           </a:xfrm>
           <a:prstGeom prst="straightConnector1">
             <a:avLst/>
           </a:prstGeom>
           <a:ln>
+            <a:solidFill>
+              <a:schemeClr val="accent1"/>
+            </a:solidFill>
             <a:headEnd type="triangle"/>
             <a:tailEnd type="none"/>
           </a:ln>
@@ -6672,52 +6899,10 @@
       </p:cxnSp>
       <p:sp>
         <p:nvSpPr>
-          <p:cNvPr id="76" name="TextBox 75">
-            <a:extLst>
-              <a:ext uri="{FF2B5EF4-FFF2-40B4-BE49-F238E27FC236}">
-                <a16:creationId xmlns:a16="http://schemas.microsoft.com/office/drawing/2014/main" id="{938F28F7-9811-4619-879C-FF7957632070}"/>
-              </a:ext>
-            </a:extLst>
-          </p:cNvPr>
-          <p:cNvSpPr txBox="1"/>
-          <p:nvPr/>
-        </p:nvSpPr>
-        <p:spPr>
-          <a:xfrm>
-            <a:off x="5715030" y="5422003"/>
-            <a:ext cx="1211422" cy="646331"/>
-          </a:xfrm>
-          <a:prstGeom prst="rect">
-            <a:avLst/>
-          </a:prstGeom>
-          <a:noFill/>
-        </p:spPr>
-        <p:txBody>
-          <a:bodyPr wrap="none" rtlCol="0">
-            <a:spAutoFit/>
-          </a:bodyPr>
-          <a:lstStyle/>
-          <a:p>
-            <a:r>
-              <a:rPr lang="en-US" dirty="0"/>
-              <a:t>decoupled</a:t>
-            </a:r>
-          </a:p>
-          <a:p>
-            <a:r>
-              <a:rPr lang="en-US" dirty="0"/>
-              <a:t>SAPI/ESAPI</a:t>
-            </a:r>
-            <a:endParaRPr lang="en-SG" dirty="0"/>
-          </a:p>
-        </p:txBody>
-      </p:sp>
-      <p:sp>
-        <p:nvSpPr>
-          <p:cNvPr id="77" name="Rectangle: Rounded Corners 76">
-            <a:extLst>
-              <a:ext uri="{FF2B5EF4-FFF2-40B4-BE49-F238E27FC236}">
-                <a16:creationId xmlns:a16="http://schemas.microsoft.com/office/drawing/2014/main" id="{D17B92EC-17A4-485B-B9BE-3152A1E7DBCE}"/>
+          <p:cNvPr id="37" name="Rectangle: Rounded Corners 36">
+            <a:extLst>
+              <a:ext uri="{FF2B5EF4-FFF2-40B4-BE49-F238E27FC236}">
+                <a16:creationId xmlns:a16="http://schemas.microsoft.com/office/drawing/2014/main" id="{E8CABCC3-AF33-49A1-969A-019D091529CF}"/>
               </a:ext>
             </a:extLst>
           </p:cNvPr>
@@ -6726,94 +6911,8 @@
         </p:nvSpPr>
         <p:spPr>
           <a:xfrm>
-            <a:off x="9564104" y="6176049"/>
-            <a:ext cx="511780" cy="184061"/>
-          </a:xfrm>
-          <a:prstGeom prst="roundRect">
-            <a:avLst/>
-          </a:prstGeom>
-        </p:spPr>
-        <p:style>
-          <a:lnRef idx="1">
-            <a:schemeClr val="accent5"/>
-          </a:lnRef>
-          <a:fillRef idx="3">
-            <a:schemeClr val="accent5"/>
-          </a:fillRef>
-          <a:effectRef idx="2">
-            <a:schemeClr val="accent5"/>
-          </a:effectRef>
-          <a:fontRef idx="minor">
-            <a:schemeClr val="lt1"/>
-          </a:fontRef>
-        </p:style>
-        <p:txBody>
-          <a:bodyPr rtlCol="0" anchor="ctr"/>
-          <a:lstStyle/>
-          <a:p>
-            <a:pPr algn="ctr"/>
-            <a:endParaRPr lang="en-SG" dirty="0"/>
-          </a:p>
-        </p:txBody>
-      </p:sp>
-      <p:sp>
-        <p:nvSpPr>
-          <p:cNvPr id="78" name="TextBox 77">
-            <a:extLst>
-              <a:ext uri="{FF2B5EF4-FFF2-40B4-BE49-F238E27FC236}">
-                <a16:creationId xmlns:a16="http://schemas.microsoft.com/office/drawing/2014/main" id="{C7853951-5D59-4F1A-8F38-6B48DD281C71}"/>
-              </a:ext>
-            </a:extLst>
-          </p:cNvPr>
-          <p:cNvSpPr txBox="1"/>
-          <p:nvPr/>
-        </p:nvSpPr>
-        <p:spPr>
-          <a:xfrm>
-            <a:off x="10075884" y="6082403"/>
-            <a:ext cx="2029530" cy="646331"/>
-          </a:xfrm>
-          <a:prstGeom prst="rect">
-            <a:avLst/>
-          </a:prstGeom>
-          <a:noFill/>
-        </p:spPr>
-        <p:txBody>
-          <a:bodyPr wrap="none" rtlCol="0">
-            <a:spAutoFit/>
-          </a:bodyPr>
-          <a:lstStyle/>
-          <a:p>
-            <a:r>
-              <a:rPr lang="en-US" dirty="0"/>
-              <a:t>Existing component</a:t>
-            </a:r>
-          </a:p>
-          <a:p>
-            <a:r>
-              <a:rPr lang="en-US" dirty="0"/>
-              <a:t>To develop</a:t>
-            </a:r>
-            <a:endParaRPr lang="en-SG" dirty="0"/>
-          </a:p>
-        </p:txBody>
-      </p:sp>
-      <p:sp>
-        <p:nvSpPr>
-          <p:cNvPr id="79" name="Rectangle: Rounded Corners 78">
-            <a:extLst>
-              <a:ext uri="{FF2B5EF4-FFF2-40B4-BE49-F238E27FC236}">
-                <a16:creationId xmlns:a16="http://schemas.microsoft.com/office/drawing/2014/main" id="{658F005E-8925-44FA-A480-C7DEA789CF90}"/>
-              </a:ext>
-            </a:extLst>
-          </p:cNvPr>
-          <p:cNvSpPr/>
-          <p:nvPr/>
-        </p:nvSpPr>
-        <p:spPr>
-          <a:xfrm>
-            <a:off x="9564104" y="6452391"/>
-            <a:ext cx="511780" cy="184061"/>
+            <a:off x="129284" y="2379238"/>
+            <a:ext cx="1544320" cy="555414"/>
           </a:xfrm>
           <a:prstGeom prst="roundRect">
             <a:avLst/>
@@ -6838,92 +6937,209 @@
           <a:lstStyle/>
           <a:p>
             <a:pPr algn="ctr"/>
+            <a:r>
+              <a:rPr lang="en-US" dirty="0"/>
+              <a:t>SPI Driver</a:t>
+            </a:r>
             <a:endParaRPr lang="en-SG" dirty="0"/>
           </a:p>
         </p:txBody>
       </p:sp>
-      <p:sp>
-        <p:nvSpPr>
-          <p:cNvPr id="2" name="Speech Bubble: Rectangle with Corners Rounded 1">
-            <a:extLst>
-              <a:ext uri="{FF2B5EF4-FFF2-40B4-BE49-F238E27FC236}">
-                <a16:creationId xmlns:a16="http://schemas.microsoft.com/office/drawing/2014/main" id="{13076BA7-587C-4102-B476-4B1DC95577E1}"/>
-              </a:ext>
-            </a:extLst>
-          </p:cNvPr>
-          <p:cNvSpPr/>
-          <p:nvPr/>
-        </p:nvSpPr>
-        <p:spPr>
-          <a:xfrm>
-            <a:off x="5845387" y="4104640"/>
-            <a:ext cx="1496906" cy="823013"/>
-          </a:xfrm>
-          <a:prstGeom prst="wedgeRoundRectCallout">
-            <a:avLst>
-              <a:gd name="adj1" fmla="val -84181"/>
-              <a:gd name="adj2" fmla="val 52624"/>
-              <a:gd name="adj3" fmla="val 16667"/>
-            </a:avLst>
-          </a:prstGeom>
+      <p:cxnSp>
+        <p:nvCxnSpPr>
+          <p:cNvPr id="41" name="Connector: Elbow 40">
+            <a:extLst>
+              <a:ext uri="{FF2B5EF4-FFF2-40B4-BE49-F238E27FC236}">
+                <a16:creationId xmlns:a16="http://schemas.microsoft.com/office/drawing/2014/main" id="{BEB062FB-0D5D-453B-9F42-FB4B7E75E951}"/>
+              </a:ext>
+            </a:extLst>
+          </p:cNvPr>
+          <p:cNvCxnSpPr>
+            <a:cxnSpLocks/>
+            <a:stCxn id="7" idx="1"/>
+            <a:endCxn id="37" idx="2"/>
+          </p:cNvCxnSpPr>
+          <p:nvPr/>
+        </p:nvCxnSpPr>
+        <p:spPr>
+          <a:xfrm rot="10800000">
+            <a:off x="901445" y="2934653"/>
+            <a:ext cx="2756865" cy="1266405"/>
+          </a:xfrm>
+          <a:prstGeom prst="bentConnector2">
+            <a:avLst/>
+          </a:prstGeom>
+          <a:ln>
+            <a:tailEnd type="triangle"/>
+          </a:ln>
         </p:spPr>
         <p:style>
-          <a:lnRef idx="2">
-            <a:schemeClr val="dk1"/>
+          <a:lnRef idx="1">
+            <a:schemeClr val="accent2"/>
           </a:lnRef>
-          <a:fillRef idx="1">
-            <a:schemeClr val="lt1"/>
+          <a:fillRef idx="0">
+            <a:schemeClr val="accent2"/>
           </a:fillRef>
           <a:effectRef idx="0">
-            <a:schemeClr val="dk1"/>
+            <a:schemeClr val="accent2"/>
           </a:effectRef>
           <a:fontRef idx="minor">
-            <a:schemeClr val="dk1"/>
+            <a:schemeClr val="tx1"/>
           </a:fontRef>
         </p:style>
-        <p:txBody>
-          <a:bodyPr rtlCol="0" anchor="ctr"/>
-          <a:lstStyle/>
-          <a:p>
-            <a:pPr algn="ctr"/>
-            <a:r>
-              <a:rPr lang="en-US" dirty="0"/>
-              <a:t>Override TCTI_DEVICE</a:t>
-            </a:r>
-            <a:endParaRPr lang="en-SG" dirty="0"/>
-          </a:p>
-        </p:txBody>
-      </p:sp>
+      </p:cxnSp>
       <p:cxnSp>
         <p:nvCxnSpPr>
-          <p:cNvPr id="38" name="Straight Arrow Connector 37">
-            <a:extLst>
-              <a:ext uri="{FF2B5EF4-FFF2-40B4-BE49-F238E27FC236}">
-                <a16:creationId xmlns:a16="http://schemas.microsoft.com/office/drawing/2014/main" id="{F5C30DFB-FB18-4FBC-9875-FDA90842136B}"/>
+          <p:cNvPr id="19" name="Connector: Elbow 18">
+            <a:extLst>
+              <a:ext uri="{FF2B5EF4-FFF2-40B4-BE49-F238E27FC236}">
+                <a16:creationId xmlns:a16="http://schemas.microsoft.com/office/drawing/2014/main" id="{63D6B4C8-75C5-4B0E-AC29-D69778D2AA8A}"/>
               </a:ext>
             </a:extLst>
           </p:cNvPr>
           <p:cNvCxnSpPr>
             <a:cxnSpLocks/>
-            <a:stCxn id="6" idx="3"/>
-            <a:endCxn id="4" idx="1"/>
+            <a:stCxn id="37" idx="0"/>
+            <a:endCxn id="53" idx="1"/>
           </p:cNvCxnSpPr>
           <p:nvPr/>
         </p:nvCxnSpPr>
         <p:spPr>
-          <a:xfrm flipV="1">
-            <a:off x="2886149" y="3429001"/>
-            <a:ext cx="772160" cy="8570"/>
+          <a:xfrm rot="5400000" flipH="1" flipV="1">
+            <a:off x="2032702" y="753632"/>
+            <a:ext cx="494349" cy="2756865"/>
+          </a:xfrm>
+          <a:prstGeom prst="bentConnector2">
+            <a:avLst/>
+          </a:prstGeom>
+          <a:ln>
+            <a:tailEnd type="triangle"/>
+          </a:ln>
+        </p:spPr>
+        <p:style>
+          <a:lnRef idx="1">
+            <a:schemeClr val="accent2"/>
+          </a:lnRef>
+          <a:fillRef idx="0">
+            <a:schemeClr val="accent2"/>
+          </a:fillRef>
+          <a:effectRef idx="0">
+            <a:schemeClr val="accent2"/>
+          </a:effectRef>
+          <a:fontRef idx="minor">
+            <a:schemeClr val="tx1"/>
+          </a:fontRef>
+        </p:style>
+      </p:cxnSp>
+      <p:sp>
+        <p:nvSpPr>
+          <p:cNvPr id="49" name="TextBox 48">
+            <a:extLst>
+              <a:ext uri="{FF2B5EF4-FFF2-40B4-BE49-F238E27FC236}">
+                <a16:creationId xmlns:a16="http://schemas.microsoft.com/office/drawing/2014/main" id="{9BD7150B-3435-43BD-8108-7691B22224D0}"/>
+              </a:ext>
+            </a:extLst>
+          </p:cNvPr>
+          <p:cNvSpPr txBox="1"/>
+          <p:nvPr/>
+        </p:nvSpPr>
+        <p:spPr>
+          <a:xfrm>
+            <a:off x="1673604" y="3879788"/>
+            <a:ext cx="1366271" cy="369332"/>
+          </a:xfrm>
+          <a:prstGeom prst="rect">
+            <a:avLst/>
+          </a:prstGeom>
+          <a:noFill/>
+        </p:spPr>
+        <p:txBody>
+          <a:bodyPr wrap="none" rtlCol="0">
+            <a:spAutoFit/>
+          </a:bodyPr>
+          <a:lstStyle/>
+          <a:p>
+            <a:r>
+              <a:rPr lang="en-US" dirty="0" err="1"/>
+              <a:t>init</a:t>
+            </a:r>
+            <a:r>
+              <a:rPr lang="en-US" dirty="0"/>
+              <a:t> / release</a:t>
+            </a:r>
+            <a:endParaRPr lang="en-SG" dirty="0"/>
+          </a:p>
+        </p:txBody>
+      </p:sp>
+      <p:sp>
+        <p:nvSpPr>
+          <p:cNvPr id="57" name="TextBox 56">
+            <a:extLst>
+              <a:ext uri="{FF2B5EF4-FFF2-40B4-BE49-F238E27FC236}">
+                <a16:creationId xmlns:a16="http://schemas.microsoft.com/office/drawing/2014/main" id="{FDCD606B-B87E-46B5-B7DE-1140206517D8}"/>
+              </a:ext>
+            </a:extLst>
+          </p:cNvPr>
+          <p:cNvSpPr txBox="1"/>
+          <p:nvPr/>
+        </p:nvSpPr>
+        <p:spPr>
+          <a:xfrm>
+            <a:off x="2296304" y="2329118"/>
+            <a:ext cx="739305" cy="369332"/>
+          </a:xfrm>
+          <a:prstGeom prst="rect">
+            <a:avLst/>
+          </a:prstGeom>
+          <a:noFill/>
+        </p:spPr>
+        <p:txBody>
+          <a:bodyPr wrap="none" rtlCol="0">
+            <a:spAutoFit/>
+          </a:bodyPr>
+          <a:lstStyle/>
+          <a:p>
+            <a:r>
+              <a:rPr lang="en-US" dirty="0" err="1"/>
+              <a:t>tx</a:t>
+            </a:r>
+            <a:r>
+              <a:rPr lang="en-US" dirty="0"/>
+              <a:t> / </a:t>
+            </a:r>
+            <a:r>
+              <a:rPr lang="en-US" dirty="0" err="1"/>
+              <a:t>rx</a:t>
+            </a:r>
+            <a:endParaRPr lang="en-SG" dirty="0"/>
+          </a:p>
+        </p:txBody>
+      </p:sp>
+      <p:cxnSp>
+        <p:nvCxnSpPr>
+          <p:cNvPr id="64" name="Straight Arrow Connector 63">
+            <a:extLst>
+              <a:ext uri="{FF2B5EF4-FFF2-40B4-BE49-F238E27FC236}">
+                <a16:creationId xmlns:a16="http://schemas.microsoft.com/office/drawing/2014/main" id="{76892955-6300-4FF1-A7D9-EF445AA2F693}"/>
+              </a:ext>
+            </a:extLst>
+          </p:cNvPr>
+          <p:cNvCxnSpPr>
+            <a:stCxn id="9" idx="1"/>
+            <a:endCxn id="37" idx="3"/>
+          </p:cNvCxnSpPr>
+          <p:nvPr/>
+        </p:nvCxnSpPr>
+        <p:spPr>
+          <a:xfrm flipH="1">
+            <a:off x="1673604" y="2656945"/>
+            <a:ext cx="1984705" cy="0"/>
           </a:xfrm>
           <a:prstGeom prst="straightConnector1">
             <a:avLst/>
           </a:prstGeom>
           <a:ln>
-            <a:solidFill>
-              <a:schemeClr val="accent1"/>
-            </a:solidFill>
-            <a:headEnd type="triangle"/>
-            <a:tailEnd type="none"/>
+            <a:tailEnd type="triangle"/>
           </a:ln>
         </p:spPr>
         <p:style>

--- a/docs/architecture.pptx
+++ b/docs/architecture.pptx
@@ -263,7 +263,7 @@
           <a:p>
             <a:fld id="{BC59D279-2F25-4511-92D4-2F0B7AE95144}" type="datetimeFigureOut">
               <a:rPr lang="en-SG" smtClean="0"/>
-              <a:t>7/3/2022</a:t>
+              <a:t>11/3/2022</a:t>
             </a:fld>
             <a:endParaRPr lang="en-SG"/>
           </a:p>
@@ -463,7 +463,7 @@
           <a:p>
             <a:fld id="{BC59D279-2F25-4511-92D4-2F0B7AE95144}" type="datetimeFigureOut">
               <a:rPr lang="en-SG" smtClean="0"/>
-              <a:t>7/3/2022</a:t>
+              <a:t>11/3/2022</a:t>
             </a:fld>
             <a:endParaRPr lang="en-SG"/>
           </a:p>
@@ -673,7 +673,7 @@
           <a:p>
             <a:fld id="{BC59D279-2F25-4511-92D4-2F0B7AE95144}" type="datetimeFigureOut">
               <a:rPr lang="en-SG" smtClean="0"/>
-              <a:t>7/3/2022</a:t>
+              <a:t>11/3/2022</a:t>
             </a:fld>
             <a:endParaRPr lang="en-SG"/>
           </a:p>
@@ -873,7 +873,7 @@
           <a:p>
             <a:fld id="{BC59D279-2F25-4511-92D4-2F0B7AE95144}" type="datetimeFigureOut">
               <a:rPr lang="en-SG" smtClean="0"/>
-              <a:t>7/3/2022</a:t>
+              <a:t>11/3/2022</a:t>
             </a:fld>
             <a:endParaRPr lang="en-SG"/>
           </a:p>
@@ -1149,7 +1149,7 @@
           <a:p>
             <a:fld id="{BC59D279-2F25-4511-92D4-2F0B7AE95144}" type="datetimeFigureOut">
               <a:rPr lang="en-SG" smtClean="0"/>
-              <a:t>7/3/2022</a:t>
+              <a:t>11/3/2022</a:t>
             </a:fld>
             <a:endParaRPr lang="en-SG"/>
           </a:p>
@@ -1417,7 +1417,7 @@
           <a:p>
             <a:fld id="{BC59D279-2F25-4511-92D4-2F0B7AE95144}" type="datetimeFigureOut">
               <a:rPr lang="en-SG" smtClean="0"/>
-              <a:t>7/3/2022</a:t>
+              <a:t>11/3/2022</a:t>
             </a:fld>
             <a:endParaRPr lang="en-SG"/>
           </a:p>
@@ -1832,7 +1832,7 @@
           <a:p>
             <a:fld id="{BC59D279-2F25-4511-92D4-2F0B7AE95144}" type="datetimeFigureOut">
               <a:rPr lang="en-SG" smtClean="0"/>
-              <a:t>7/3/2022</a:t>
+              <a:t>11/3/2022</a:t>
             </a:fld>
             <a:endParaRPr lang="en-SG"/>
           </a:p>
@@ -1974,7 +1974,7 @@
           <a:p>
             <a:fld id="{BC59D279-2F25-4511-92D4-2F0B7AE95144}" type="datetimeFigureOut">
               <a:rPr lang="en-SG" smtClean="0"/>
-              <a:t>7/3/2022</a:t>
+              <a:t>11/3/2022</a:t>
             </a:fld>
             <a:endParaRPr lang="en-SG"/>
           </a:p>
@@ -2087,7 +2087,7 @@
           <a:p>
             <a:fld id="{BC59D279-2F25-4511-92D4-2F0B7AE95144}" type="datetimeFigureOut">
               <a:rPr lang="en-SG" smtClean="0"/>
-              <a:t>7/3/2022</a:t>
+              <a:t>11/3/2022</a:t>
             </a:fld>
             <a:endParaRPr lang="en-SG"/>
           </a:p>
@@ -2400,7 +2400,7 @@
           <a:p>
             <a:fld id="{BC59D279-2F25-4511-92D4-2F0B7AE95144}" type="datetimeFigureOut">
               <a:rPr lang="en-SG" smtClean="0"/>
-              <a:t>7/3/2022</a:t>
+              <a:t>11/3/2022</a:t>
             </a:fld>
             <a:endParaRPr lang="en-SG"/>
           </a:p>
@@ -2689,7 +2689,7 @@
           <a:p>
             <a:fld id="{BC59D279-2F25-4511-92D4-2F0B7AE95144}" type="datetimeFigureOut">
               <a:rPr lang="en-SG" smtClean="0"/>
-              <a:t>7/3/2022</a:t>
+              <a:t>11/3/2022</a:t>
             </a:fld>
             <a:endParaRPr lang="en-SG"/>
           </a:p>
@@ -2932,7 +2932,7 @@
           <a:p>
             <a:fld id="{BC59D279-2F25-4511-92D4-2F0B7AE95144}" type="datetimeFigureOut">
               <a:rPr lang="en-SG" smtClean="0"/>
-              <a:t>7/3/2022</a:t>
+              <a:t>11/3/2022</a:t>
             </a:fld>
             <a:endParaRPr lang="en-SG"/>
           </a:p>
@@ -3563,17 +3563,17 @@
           </a:prstGeom>
         </p:spPr>
         <p:style>
-          <a:lnRef idx="1">
-            <a:schemeClr val="accent2"/>
+          <a:lnRef idx="2">
+            <a:schemeClr val="dk1"/>
           </a:lnRef>
-          <a:fillRef idx="3">
-            <a:schemeClr val="accent2"/>
+          <a:fillRef idx="1">
+            <a:schemeClr val="lt1"/>
           </a:fillRef>
-          <a:effectRef idx="2">
-            <a:schemeClr val="accent2"/>
+          <a:effectRef idx="0">
+            <a:schemeClr val="dk1"/>
           </a:effectRef>
           <a:fontRef idx="minor">
-            <a:schemeClr val="lt1"/>
+            <a:schemeClr val="dk1"/>
           </a:fontRef>
         </p:style>
         <p:txBody>
@@ -3618,13 +3618,13 @@
         </p:spPr>
         <p:style>
           <a:lnRef idx="1">
-            <a:schemeClr val="accent2"/>
+            <a:schemeClr val="dk1"/>
           </a:lnRef>
           <a:fillRef idx="0">
-            <a:schemeClr val="accent2"/>
+            <a:schemeClr val="dk1"/>
           </a:fillRef>
           <a:effectRef idx="0">
-            <a:schemeClr val="accent2"/>
+            <a:schemeClr val="dk1"/>
           </a:effectRef>
           <a:fontRef idx="minor">
             <a:schemeClr val="tx1"/>
@@ -3739,13 +3739,13 @@
         </p:spPr>
         <p:style>
           <a:lnRef idx="1">
-            <a:schemeClr val="accent2"/>
+            <a:schemeClr val="dk1"/>
           </a:lnRef>
           <a:fillRef idx="0">
-            <a:schemeClr val="accent2"/>
+            <a:schemeClr val="dk1"/>
           </a:fillRef>
           <a:effectRef idx="0">
-            <a:schemeClr val="accent2"/>
+            <a:schemeClr val="dk1"/>
           </a:effectRef>
           <a:fontRef idx="minor">
             <a:schemeClr val="tx1"/>
@@ -4155,7 +4155,7 @@
         <p:spPr>
           <a:xfrm>
             <a:off x="10075884" y="6082403"/>
-            <a:ext cx="2029530" cy="646331"/>
+            <a:ext cx="2029530" cy="369332"/>
           </a:xfrm>
           <a:prstGeom prst="rect">
             <a:avLst/>
@@ -4172,57 +4172,6 @@
               <a:rPr lang="en-US" dirty="0"/>
               <a:t>Existing component</a:t>
             </a:r>
-          </a:p>
-          <a:p>
-            <a:r>
-              <a:rPr lang="en-US" dirty="0"/>
-              <a:t>To develop</a:t>
-            </a:r>
-            <a:endParaRPr lang="en-SG" dirty="0"/>
-          </a:p>
-        </p:txBody>
-      </p:sp>
-      <p:sp>
-        <p:nvSpPr>
-          <p:cNvPr id="87" name="Rectangle: Rounded Corners 86">
-            <a:extLst>
-              <a:ext uri="{FF2B5EF4-FFF2-40B4-BE49-F238E27FC236}">
-                <a16:creationId xmlns:a16="http://schemas.microsoft.com/office/drawing/2014/main" id="{405832C1-B91D-4426-9AC6-FC13F178D83F}"/>
-              </a:ext>
-            </a:extLst>
-          </p:cNvPr>
-          <p:cNvSpPr/>
-          <p:nvPr/>
-        </p:nvSpPr>
-        <p:spPr>
-          <a:xfrm>
-            <a:off x="9564104" y="6452391"/>
-            <a:ext cx="511780" cy="184061"/>
-          </a:xfrm>
-          <a:prstGeom prst="roundRect">
-            <a:avLst/>
-          </a:prstGeom>
-        </p:spPr>
-        <p:style>
-          <a:lnRef idx="1">
-            <a:schemeClr val="accent2"/>
-          </a:lnRef>
-          <a:fillRef idx="3">
-            <a:schemeClr val="accent2"/>
-          </a:fillRef>
-          <a:effectRef idx="2">
-            <a:schemeClr val="accent2"/>
-          </a:effectRef>
-          <a:fontRef idx="minor">
-            <a:schemeClr val="lt1"/>
-          </a:fontRef>
-        </p:style>
-        <p:txBody>
-          <a:bodyPr rtlCol="0" anchor="ctr"/>
-          <a:lstStyle/>
-          <a:p>
-            <a:pPr algn="ctr"/>
-            <a:endParaRPr lang="en-SG" dirty="0"/>
           </a:p>
         </p:txBody>
       </p:sp>
@@ -4532,17 +4481,17 @@
           </a:prstGeom>
         </p:spPr>
         <p:style>
-          <a:lnRef idx="1">
-            <a:schemeClr val="accent2"/>
+          <a:lnRef idx="2">
+            <a:schemeClr val="dk1"/>
           </a:lnRef>
-          <a:fillRef idx="3">
-            <a:schemeClr val="accent2"/>
+          <a:fillRef idx="1">
+            <a:schemeClr val="lt1"/>
           </a:fillRef>
-          <a:effectRef idx="2">
-            <a:schemeClr val="accent2"/>
+          <a:effectRef idx="0">
+            <a:schemeClr val="dk1"/>
           </a:effectRef>
           <a:fontRef idx="minor">
-            <a:schemeClr val="lt1"/>
+            <a:schemeClr val="dk1"/>
           </a:fontRef>
         </p:style>
         <p:txBody>
@@ -4587,13 +4536,13 @@
         </p:spPr>
         <p:style>
           <a:lnRef idx="1">
-            <a:schemeClr val="accent2"/>
+            <a:schemeClr val="dk1"/>
           </a:lnRef>
           <a:fillRef idx="0">
-            <a:schemeClr val="accent2"/>
+            <a:schemeClr val="dk1"/>
           </a:fillRef>
           <a:effectRef idx="0">
-            <a:schemeClr val="accent2"/>
+            <a:schemeClr val="dk1"/>
           </a:effectRef>
           <a:fontRef idx="minor">
             <a:schemeClr val="tx1"/>
@@ -4978,13 +4927,13 @@
         </p:spPr>
         <p:style>
           <a:lnRef idx="1">
-            <a:schemeClr val="accent2"/>
+            <a:schemeClr val="dk1"/>
           </a:lnRef>
           <a:fillRef idx="0">
-            <a:schemeClr val="accent2"/>
+            <a:schemeClr val="dk1"/>
           </a:fillRef>
           <a:effectRef idx="0">
-            <a:schemeClr val="accent2"/>
+            <a:schemeClr val="dk1"/>
           </a:effectRef>
           <a:fontRef idx="minor">
             <a:schemeClr val="tx1"/>
@@ -5235,7 +5184,7 @@
         <p:spPr>
           <a:xfrm>
             <a:off x="10075884" y="6082403"/>
-            <a:ext cx="2029530" cy="646331"/>
+            <a:ext cx="2029530" cy="369332"/>
           </a:xfrm>
           <a:prstGeom prst="rect">
             <a:avLst/>
@@ -5252,57 +5201,6 @@
               <a:rPr lang="en-US" dirty="0"/>
               <a:t>Existing component</a:t>
             </a:r>
-          </a:p>
-          <a:p>
-            <a:r>
-              <a:rPr lang="en-US" dirty="0"/>
-              <a:t>To develop</a:t>
-            </a:r>
-            <a:endParaRPr lang="en-SG" dirty="0"/>
-          </a:p>
-        </p:txBody>
-      </p:sp>
-      <p:sp>
-        <p:nvSpPr>
-          <p:cNvPr id="55" name="Rectangle: Rounded Corners 54">
-            <a:extLst>
-              <a:ext uri="{FF2B5EF4-FFF2-40B4-BE49-F238E27FC236}">
-                <a16:creationId xmlns:a16="http://schemas.microsoft.com/office/drawing/2014/main" id="{6CD5BA39-EAB4-4A0E-A780-CB4D22647682}"/>
-              </a:ext>
-            </a:extLst>
-          </p:cNvPr>
-          <p:cNvSpPr/>
-          <p:nvPr/>
-        </p:nvSpPr>
-        <p:spPr>
-          <a:xfrm>
-            <a:off x="9564104" y="6452391"/>
-            <a:ext cx="511780" cy="184061"/>
-          </a:xfrm>
-          <a:prstGeom prst="roundRect">
-            <a:avLst/>
-          </a:prstGeom>
-        </p:spPr>
-        <p:style>
-          <a:lnRef idx="1">
-            <a:schemeClr val="accent2"/>
-          </a:lnRef>
-          <a:fillRef idx="3">
-            <a:schemeClr val="accent2"/>
-          </a:fillRef>
-          <a:effectRef idx="2">
-            <a:schemeClr val="accent2"/>
-          </a:effectRef>
-          <a:fontRef idx="minor">
-            <a:schemeClr val="lt1"/>
-          </a:fontRef>
-        </p:style>
-        <p:txBody>
-          <a:bodyPr rtlCol="0" anchor="ctr"/>
-          <a:lstStyle/>
-          <a:p>
-            <a:pPr algn="ctr"/>
-            <a:endParaRPr lang="en-SG" dirty="0"/>
           </a:p>
         </p:txBody>
       </p:sp>
@@ -5523,6 +5421,14 @@
           <a:prstGeom prst="roundRect">
             <a:avLst/>
           </a:prstGeom>
+          <a:solidFill>
+            <a:srgbClr val="7030A0"/>
+          </a:solidFill>
+          <a:ln>
+            <a:solidFill>
+              <a:srgbClr val="7030A0"/>
+            </a:solidFill>
+          </a:ln>
         </p:spPr>
         <p:style>
           <a:lnRef idx="1">
@@ -5943,6 +5849,9 @@
             <a:avLst/>
           </a:prstGeom>
           <a:ln>
+            <a:solidFill>
+              <a:srgbClr val="4472C4"/>
+            </a:solidFill>
             <a:headEnd type="triangle"/>
             <a:tailEnd type="none"/>
           </a:ln>
@@ -6072,6 +5981,9 @@
             <a:avLst/>
           </a:prstGeom>
           <a:ln>
+            <a:solidFill>
+              <a:srgbClr val="ED7D31"/>
+            </a:solidFill>
             <a:headEnd type="triangle"/>
             <a:tailEnd type="none"/>
           </a:ln>
@@ -6206,17 +6118,17 @@
           </a:prstGeom>
         </p:spPr>
         <p:style>
-          <a:lnRef idx="1">
-            <a:schemeClr val="accent2"/>
+          <a:lnRef idx="2">
+            <a:schemeClr val="dk1"/>
           </a:lnRef>
-          <a:fillRef idx="3">
-            <a:schemeClr val="accent2"/>
+          <a:fillRef idx="1">
+            <a:schemeClr val="lt1"/>
           </a:fillRef>
-          <a:effectRef idx="2">
-            <a:schemeClr val="accent2"/>
+          <a:effectRef idx="0">
+            <a:schemeClr val="dk1"/>
           </a:effectRef>
           <a:fontRef idx="minor">
-            <a:schemeClr val="lt1"/>
+            <a:schemeClr val="dk1"/>
           </a:fontRef>
         </p:style>
         <p:txBody>
@@ -6305,13 +6217,13 @@
         </p:spPr>
         <p:style>
           <a:lnRef idx="1">
-            <a:schemeClr val="accent2"/>
+            <a:schemeClr val="dk1"/>
           </a:lnRef>
           <a:fillRef idx="0">
-            <a:schemeClr val="accent2"/>
+            <a:schemeClr val="dk1"/>
           </a:fillRef>
           <a:effectRef idx="0">
-            <a:schemeClr val="accent2"/>
+            <a:schemeClr val="dk1"/>
           </a:effectRef>
           <a:fontRef idx="minor">
             <a:schemeClr val="tx1"/>
@@ -6425,13 +6337,13 @@
         </p:spPr>
         <p:style>
           <a:lnRef idx="1">
-            <a:schemeClr val="accent2"/>
+            <a:schemeClr val="dk1"/>
           </a:lnRef>
           <a:fillRef idx="0">
-            <a:schemeClr val="accent2"/>
+            <a:schemeClr val="dk1"/>
           </a:fillRef>
           <a:effectRef idx="0">
-            <a:schemeClr val="accent2"/>
+            <a:schemeClr val="dk1"/>
           </a:effectRef>
           <a:fontRef idx="minor">
             <a:schemeClr val="tx1"/>
@@ -6682,7 +6594,7 @@
         </p:nvSpPr>
         <p:spPr>
           <a:xfrm>
-            <a:off x="9564104" y="6176049"/>
+            <a:off x="9564104" y="5817063"/>
             <a:ext cx="511780" cy="184061"/>
           </a:xfrm>
           <a:prstGeom prst="roundRect">
@@ -6726,8 +6638,8 @@
         </p:nvSpPr>
         <p:spPr>
           <a:xfrm>
-            <a:off x="10075884" y="6082403"/>
-            <a:ext cx="2029530" cy="646331"/>
+            <a:off x="10075884" y="5723417"/>
+            <a:ext cx="2076722" cy="923330"/>
           </a:xfrm>
           <a:prstGeom prst="rect">
             <a:avLst/>
@@ -6748,7 +6660,13 @@
           <a:p>
             <a:r>
               <a:rPr lang="en-US" dirty="0"/>
-              <a:t>To develop</a:t>
+              <a:t>Adaptation</a:t>
+            </a:r>
+          </a:p>
+          <a:p>
+            <a:r>
+              <a:rPr lang="en-US" dirty="0"/>
+              <a:t>Platform dependent</a:t>
             </a:r>
             <a:endParaRPr lang="en-SG" dirty="0"/>
           </a:p>
@@ -6768,7 +6686,7 @@
         </p:nvSpPr>
         <p:spPr>
           <a:xfrm>
-            <a:off x="9564104" y="6452391"/>
+            <a:off x="9564104" y="6093405"/>
             <a:ext cx="511780" cy="184061"/>
           </a:xfrm>
           <a:prstGeom prst="roundRect">
@@ -6917,6 +6835,14 @@
           <a:prstGeom prst="roundRect">
             <a:avLst/>
           </a:prstGeom>
+          <a:solidFill>
+            <a:srgbClr val="7030A0"/>
+          </a:solidFill>
+          <a:ln>
+            <a:solidFill>
+              <a:srgbClr val="7030A0"/>
+            </a:solidFill>
+          </a:ln>
         </p:spPr>
         <p:style>
           <a:lnRef idx="1">
@@ -7013,6 +6939,9 @@
             <a:avLst/>
           </a:prstGeom>
           <a:ln>
+            <a:solidFill>
+              <a:srgbClr val="7030A0"/>
+            </a:solidFill>
             <a:tailEnd type="triangle"/>
           </a:ln>
         </p:spPr>
@@ -7157,6 +7086,58 @@
           </a:fontRef>
         </p:style>
       </p:cxnSp>
+      <p:sp>
+        <p:nvSpPr>
+          <p:cNvPr id="42" name="Rectangle: Rounded Corners 41">
+            <a:extLst>
+              <a:ext uri="{FF2B5EF4-FFF2-40B4-BE49-F238E27FC236}">
+                <a16:creationId xmlns:a16="http://schemas.microsoft.com/office/drawing/2014/main" id="{D7B22965-117A-4FBA-A967-84152443DB47}"/>
+              </a:ext>
+            </a:extLst>
+          </p:cNvPr>
+          <p:cNvSpPr/>
+          <p:nvPr/>
+        </p:nvSpPr>
+        <p:spPr>
+          <a:xfrm>
+            <a:off x="9568041" y="6369747"/>
+            <a:ext cx="511780" cy="184061"/>
+          </a:xfrm>
+          <a:prstGeom prst="roundRect">
+            <a:avLst/>
+          </a:prstGeom>
+          <a:solidFill>
+            <a:srgbClr val="7030A0"/>
+          </a:solidFill>
+          <a:ln>
+            <a:solidFill>
+              <a:srgbClr val="7030A0"/>
+            </a:solidFill>
+          </a:ln>
+        </p:spPr>
+        <p:style>
+          <a:lnRef idx="1">
+            <a:schemeClr val="accent2"/>
+          </a:lnRef>
+          <a:fillRef idx="3">
+            <a:schemeClr val="accent2"/>
+          </a:fillRef>
+          <a:effectRef idx="2">
+            <a:schemeClr val="accent2"/>
+          </a:effectRef>
+          <a:fontRef idx="minor">
+            <a:schemeClr val="lt1"/>
+          </a:fontRef>
+        </p:style>
+        <p:txBody>
+          <a:bodyPr rtlCol="0" anchor="ctr"/>
+          <a:lstStyle/>
+          <a:p>
+            <a:pPr algn="ctr"/>
+            <a:endParaRPr lang="en-SG" dirty="0"/>
+          </a:p>
+        </p:txBody>
+      </p:sp>
     </p:spTree>
     <p:extLst>
       <p:ext uri="{BB962C8B-B14F-4D97-AF65-F5344CB8AC3E}">
